--- a/powerpoint/20220120.pptx
+++ b/powerpoint/20220120.pptx
@@ -5,7 +5,7 @@
     <p:sldMasterId id="2147483648" r:id="rId1"/>
   </p:sldMasterIdLst>
   <p:notesMasterIdLst>
-    <p:notesMasterId r:id="rId26"/>
+    <p:notesMasterId r:id="rId27"/>
   </p:notesMasterIdLst>
   <p:sldIdLst>
     <p:sldId id="256" r:id="rId2"/>
@@ -32,28 +32,29 @@
     <p:sldId id="280" r:id="rId23"/>
     <p:sldId id="282" r:id="rId24"/>
     <p:sldId id="281" r:id="rId25"/>
+    <p:sldId id="289" r:id="rId26"/>
   </p:sldIdLst>
   <p:sldSz cx="12188825" cy="6858000"/>
   <p:notesSz cx="6858000" cy="9144000"/>
   <p:embeddedFontLst>
     <p:embeddedFont>
-      <p:font typeface="DFKai-SB" panose="03000509000000000000" pitchFamily="65" charset="-120"/>
-      <p:regular r:id="rId27"/>
+      <p:font typeface="MingLiu" panose="02020509000000000000" pitchFamily="49" charset="-120"/>
+      <p:regular r:id="rId28"/>
     </p:embeddedFont>
     <p:embeddedFont>
       <p:font typeface="Century Gothic" panose="020B0502020202020204" pitchFamily="34" charset="0"/>
-      <p:regular r:id="rId28"/>
-      <p:bold r:id="rId29"/>
-      <p:italic r:id="rId30"/>
-      <p:boldItalic r:id="rId31"/>
+      <p:regular r:id="rId29"/>
+      <p:bold r:id="rId30"/>
+      <p:italic r:id="rId31"/>
+      <p:boldItalic r:id="rId32"/>
     </p:embeddedFont>
     <p:embeddedFont>
-      <p:font typeface="DFKai-SB" panose="03000509000000000000" pitchFamily="65" charset="-120"/>
-      <p:regular r:id="rId27"/>
+      <p:font typeface="標楷體" panose="03000509000000000000" pitchFamily="65" charset="-120"/>
+      <p:regular r:id="rId33"/>
     </p:embeddedFont>
     <p:embeddedFont>
-      <p:font typeface="MingLiu" panose="02020509000000000000" pitchFamily="49" charset="-120"/>
-      <p:regular r:id="rId32"/>
+      <p:font typeface="標楷體" panose="03000509000000000000" pitchFamily="65" charset="-120"/>
+      <p:regular r:id="rId33"/>
     </p:embeddedFont>
   </p:embeddedFontLst>
   <p:defaultTextStyle>
@@ -361,7 +362,7 @@
       </p15:sldGuideLst>
     </p:ext>
     <p:ext uri="http://customooxmlschemas.google.com/">
-      <go:slidesCustomData xmlns:go="http://customooxmlschemas.google.com/" xmlns:ahyp="http://schemas.microsoft.com/office/drawing/2018/hyperlinkcolor" xmlns:p15="http://schemas.microsoft.com/office/powerpoint/2012/main" xmlns:p14="http://schemas.microsoft.com/office/powerpoint/2010/main" xmlns:com="http://schemas.openxmlformats.org/drawingml/2006/compatibility" xmlns:pvml="urn:schemas-microsoft-com:office:powerpoint" xmlns:v="urn:schemas-microsoft-com:vml" xmlns:o="urn:schemas-microsoft-com:office:office" xmlns:dgm="http://schemas.openxmlformats.org/drawingml/2006/diagram" xmlns:c="http://schemas.openxmlformats.org/drawingml/2006/chart" xmlns:mv="urn:schemas-microsoft-com:mac:vml" xmlns:mc="http://schemas.openxmlformats.org/markup-compatibility/2006" xmlns="" r:id="rId36" roundtripDataSignature="AMtx7mjA8QVZzq1On3qnMOaX0ptHGS8lHg=="/>
+      <go:slidesCustomData xmlns="" xmlns:mc="http://schemas.openxmlformats.org/markup-compatibility/2006" xmlns:mv="urn:schemas-microsoft-com:mac:vml" xmlns:c="http://schemas.openxmlformats.org/drawingml/2006/chart" xmlns:dgm="http://schemas.openxmlformats.org/drawingml/2006/diagram" xmlns:o="urn:schemas-microsoft-com:office:office" xmlns:v="urn:schemas-microsoft-com:vml" xmlns:pvml="urn:schemas-microsoft-com:office:powerpoint" xmlns:com="http://schemas.openxmlformats.org/drawingml/2006/compatibility" xmlns:p14="http://schemas.microsoft.com/office/powerpoint/2010/main" xmlns:p15="http://schemas.microsoft.com/office/powerpoint/2012/main" xmlns:ahyp="http://schemas.microsoft.com/office/drawing/2018/hyperlinkcolor" xmlns:go="http://customooxmlschemas.google.com/" r:id="rId36" roundtripDataSignature="AMtx7mjA8QVZzq1On3qnMOaX0ptHGS8lHg=="/>
     </p:ext>
   </p:extLst>
 </p:presentation>
@@ -3790,7 +3791,7 @@
         <p:fade/>
       </p:transition>
     </mc:Choice>
-    <mc:Fallback xmlns:ahyp="http://schemas.microsoft.com/office/drawing/2018/hyperlinkcolor" xmlns:p15="http://schemas.microsoft.com/office/powerpoint/2012/main" xmlns:com="http://schemas.openxmlformats.org/drawingml/2006/compatibility" xmlns:pvml="urn:schemas-microsoft-com:office:powerpoint" xmlns:v="urn:schemas-microsoft-com:vml" xmlns:o="urn:schemas-microsoft-com:office:office" xmlns:dgm="http://schemas.openxmlformats.org/drawingml/2006/diagram" xmlns:c="http://schemas.openxmlformats.org/drawingml/2006/chart" xmlns:mv="urn:schemas-microsoft-com:mac:vml" xmlns="">
+    <mc:Fallback xmlns="" xmlns:mv="urn:schemas-microsoft-com:mac:vml" xmlns:c="http://schemas.openxmlformats.org/drawingml/2006/chart" xmlns:dgm="http://schemas.openxmlformats.org/drawingml/2006/diagram" xmlns:o="urn:schemas-microsoft-com:office:office" xmlns:v="urn:schemas-microsoft-com:vml" xmlns:pvml="urn:schemas-microsoft-com:office:powerpoint" xmlns:com="http://schemas.openxmlformats.org/drawingml/2006/compatibility" xmlns:p15="http://schemas.microsoft.com/office/powerpoint/2012/main" xmlns:ahyp="http://schemas.microsoft.com/office/drawing/2018/hyperlinkcolor">
       <p:transition spd="slow">
         <p:fade/>
       </p:transition>
@@ -4597,7 +4598,7 @@
         <p:fade/>
       </p:transition>
     </mc:Choice>
-    <mc:Fallback xmlns:ahyp="http://schemas.microsoft.com/office/drawing/2018/hyperlinkcolor" xmlns:p15="http://schemas.microsoft.com/office/powerpoint/2012/main" xmlns:com="http://schemas.openxmlformats.org/drawingml/2006/compatibility" xmlns:pvml="urn:schemas-microsoft-com:office:powerpoint" xmlns:v="urn:schemas-microsoft-com:vml" xmlns:o="urn:schemas-microsoft-com:office:office" xmlns:dgm="http://schemas.openxmlformats.org/drawingml/2006/diagram" xmlns:c="http://schemas.openxmlformats.org/drawingml/2006/chart" xmlns:mv="urn:schemas-microsoft-com:mac:vml" xmlns="">
+    <mc:Fallback xmlns="" xmlns:mv="urn:schemas-microsoft-com:mac:vml" xmlns:c="http://schemas.openxmlformats.org/drawingml/2006/chart" xmlns:dgm="http://schemas.openxmlformats.org/drawingml/2006/diagram" xmlns:o="urn:schemas-microsoft-com:office:office" xmlns:v="urn:schemas-microsoft-com:vml" xmlns:pvml="urn:schemas-microsoft-com:office:powerpoint" xmlns:com="http://schemas.openxmlformats.org/drawingml/2006/compatibility" xmlns:p15="http://schemas.microsoft.com/office/powerpoint/2012/main" xmlns:ahyp="http://schemas.microsoft.com/office/drawing/2018/hyperlinkcolor">
       <p:transition spd="slow">
         <p:fade/>
       </p:transition>
@@ -9944,7 +9945,7 @@
         <p:fade/>
       </p:transition>
     </mc:Choice>
-    <mc:Fallback xmlns:ahyp="http://schemas.microsoft.com/office/drawing/2018/hyperlinkcolor" xmlns:p15="http://schemas.microsoft.com/office/powerpoint/2012/main" xmlns:com="http://schemas.openxmlformats.org/drawingml/2006/compatibility" xmlns:pvml="urn:schemas-microsoft-com:office:powerpoint" xmlns:v="urn:schemas-microsoft-com:vml" xmlns:o="urn:schemas-microsoft-com:office:office" xmlns:dgm="http://schemas.openxmlformats.org/drawingml/2006/diagram" xmlns:c="http://schemas.openxmlformats.org/drawingml/2006/chart" xmlns:mv="urn:schemas-microsoft-com:mac:vml" xmlns="">
+    <mc:Fallback xmlns="" xmlns:mv="urn:schemas-microsoft-com:mac:vml" xmlns:c="http://schemas.openxmlformats.org/drawingml/2006/chart" xmlns:dgm="http://schemas.openxmlformats.org/drawingml/2006/diagram" xmlns:o="urn:schemas-microsoft-com:office:office" xmlns:v="urn:schemas-microsoft-com:vml" xmlns:pvml="urn:schemas-microsoft-com:office:powerpoint" xmlns:com="http://schemas.openxmlformats.org/drawingml/2006/compatibility" xmlns:p15="http://schemas.microsoft.com/office/powerpoint/2012/main" xmlns:ahyp="http://schemas.microsoft.com/office/drawing/2018/hyperlinkcolor">
       <p:transition spd="slow">
         <p:fade/>
       </p:transition>
@@ -10726,7 +10727,7 @@
         <p:fade/>
       </p:transition>
     </mc:Choice>
-    <mc:Fallback xmlns:ahyp="http://schemas.microsoft.com/office/drawing/2018/hyperlinkcolor" xmlns:p15="http://schemas.microsoft.com/office/powerpoint/2012/main" xmlns:com="http://schemas.openxmlformats.org/drawingml/2006/compatibility" xmlns:pvml="urn:schemas-microsoft-com:office:powerpoint" xmlns:v="urn:schemas-microsoft-com:vml" xmlns:o="urn:schemas-microsoft-com:office:office" xmlns:dgm="http://schemas.openxmlformats.org/drawingml/2006/diagram" xmlns:c="http://schemas.openxmlformats.org/drawingml/2006/chart" xmlns:mv="urn:schemas-microsoft-com:mac:vml" xmlns="">
+    <mc:Fallback xmlns="" xmlns:mv="urn:schemas-microsoft-com:mac:vml" xmlns:c="http://schemas.openxmlformats.org/drawingml/2006/chart" xmlns:dgm="http://schemas.openxmlformats.org/drawingml/2006/diagram" xmlns:o="urn:schemas-microsoft-com:office:office" xmlns:v="urn:schemas-microsoft-com:vml" xmlns:pvml="urn:schemas-microsoft-com:office:powerpoint" xmlns:com="http://schemas.openxmlformats.org/drawingml/2006/compatibility" xmlns:p15="http://schemas.microsoft.com/office/powerpoint/2012/main" xmlns:ahyp="http://schemas.microsoft.com/office/drawing/2018/hyperlinkcolor">
       <p:transition spd="slow">
         <p:fade/>
       </p:transition>
@@ -12418,7 +12419,7 @@
         <p:fade/>
       </p:transition>
     </mc:Choice>
-    <mc:Fallback xmlns:ahyp="http://schemas.microsoft.com/office/drawing/2018/hyperlinkcolor" xmlns:p15="http://schemas.microsoft.com/office/powerpoint/2012/main" xmlns:com="http://schemas.openxmlformats.org/drawingml/2006/compatibility" xmlns:pvml="urn:schemas-microsoft-com:office:powerpoint" xmlns:v="urn:schemas-microsoft-com:vml" xmlns:o="urn:schemas-microsoft-com:office:office" xmlns:dgm="http://schemas.openxmlformats.org/drawingml/2006/diagram" xmlns:c="http://schemas.openxmlformats.org/drawingml/2006/chart" xmlns:mv="urn:schemas-microsoft-com:mac:vml" xmlns="">
+    <mc:Fallback xmlns="" xmlns:mv="urn:schemas-microsoft-com:mac:vml" xmlns:c="http://schemas.openxmlformats.org/drawingml/2006/chart" xmlns:dgm="http://schemas.openxmlformats.org/drawingml/2006/diagram" xmlns:o="urn:schemas-microsoft-com:office:office" xmlns:v="urn:schemas-microsoft-com:vml" xmlns:pvml="urn:schemas-microsoft-com:office:powerpoint" xmlns:com="http://schemas.openxmlformats.org/drawingml/2006/compatibility" xmlns:p15="http://schemas.microsoft.com/office/powerpoint/2012/main" xmlns:ahyp="http://schemas.microsoft.com/office/drawing/2018/hyperlinkcolor">
       <p:transition spd="slow">
         <p:fade/>
       </p:transition>
@@ -13237,7 +13238,7 @@
         <p:fade/>
       </p:transition>
     </mc:Choice>
-    <mc:Fallback xmlns:ahyp="http://schemas.microsoft.com/office/drawing/2018/hyperlinkcolor" xmlns:p15="http://schemas.microsoft.com/office/powerpoint/2012/main" xmlns:com="http://schemas.openxmlformats.org/drawingml/2006/compatibility" xmlns:pvml="urn:schemas-microsoft-com:office:powerpoint" xmlns:v="urn:schemas-microsoft-com:vml" xmlns:o="urn:schemas-microsoft-com:office:office" xmlns:dgm="http://schemas.openxmlformats.org/drawingml/2006/diagram" xmlns:c="http://schemas.openxmlformats.org/drawingml/2006/chart" xmlns:mv="urn:schemas-microsoft-com:mac:vml" xmlns="">
+    <mc:Fallback xmlns="" xmlns:mv="urn:schemas-microsoft-com:mac:vml" xmlns:c="http://schemas.openxmlformats.org/drawingml/2006/chart" xmlns:dgm="http://schemas.openxmlformats.org/drawingml/2006/diagram" xmlns:o="urn:schemas-microsoft-com:office:office" xmlns:v="urn:schemas-microsoft-com:vml" xmlns:pvml="urn:schemas-microsoft-com:office:powerpoint" xmlns:com="http://schemas.openxmlformats.org/drawingml/2006/compatibility" xmlns:p15="http://schemas.microsoft.com/office/powerpoint/2012/main" xmlns:ahyp="http://schemas.microsoft.com/office/drawing/2018/hyperlinkcolor">
       <p:transition spd="slow">
         <p:fade/>
       </p:transition>
@@ -15958,7 +15959,7 @@
         <p:fade/>
       </p:transition>
     </mc:Choice>
-    <mc:Fallback xmlns:ahyp="http://schemas.microsoft.com/office/drawing/2018/hyperlinkcolor" xmlns:p15="http://schemas.microsoft.com/office/powerpoint/2012/main" xmlns:com="http://schemas.openxmlformats.org/drawingml/2006/compatibility" xmlns:pvml="urn:schemas-microsoft-com:office:powerpoint" xmlns:v="urn:schemas-microsoft-com:vml" xmlns:o="urn:schemas-microsoft-com:office:office" xmlns:dgm="http://schemas.openxmlformats.org/drawingml/2006/diagram" xmlns:c="http://schemas.openxmlformats.org/drawingml/2006/chart" xmlns:mv="urn:schemas-microsoft-com:mac:vml" xmlns="">
+    <mc:Fallback xmlns="" xmlns:mv="urn:schemas-microsoft-com:mac:vml" xmlns:c="http://schemas.openxmlformats.org/drawingml/2006/chart" xmlns:dgm="http://schemas.openxmlformats.org/drawingml/2006/diagram" xmlns:o="urn:schemas-microsoft-com:office:office" xmlns:v="urn:schemas-microsoft-com:vml" xmlns:pvml="urn:schemas-microsoft-com:office:powerpoint" xmlns:com="http://schemas.openxmlformats.org/drawingml/2006/compatibility" xmlns:p15="http://schemas.microsoft.com/office/powerpoint/2012/main" xmlns:ahyp="http://schemas.microsoft.com/office/drawing/2018/hyperlinkcolor">
       <p:transition spd="slow">
         <p:fade/>
       </p:transition>
@@ -16471,7 +16472,7 @@
         <p:fade/>
       </p:transition>
     </mc:Choice>
-    <mc:Fallback xmlns:ahyp="http://schemas.microsoft.com/office/drawing/2018/hyperlinkcolor" xmlns:p15="http://schemas.microsoft.com/office/powerpoint/2012/main" xmlns:com="http://schemas.openxmlformats.org/drawingml/2006/compatibility" xmlns:pvml="urn:schemas-microsoft-com:office:powerpoint" xmlns:v="urn:schemas-microsoft-com:vml" xmlns:o="urn:schemas-microsoft-com:office:office" xmlns:dgm="http://schemas.openxmlformats.org/drawingml/2006/diagram" xmlns:c="http://schemas.openxmlformats.org/drawingml/2006/chart" xmlns:mv="urn:schemas-microsoft-com:mac:vml" xmlns="">
+    <mc:Fallback xmlns="" xmlns:mv="urn:schemas-microsoft-com:mac:vml" xmlns:c="http://schemas.openxmlformats.org/drawingml/2006/chart" xmlns:dgm="http://schemas.openxmlformats.org/drawingml/2006/diagram" xmlns:o="urn:schemas-microsoft-com:office:office" xmlns:v="urn:schemas-microsoft-com:vml" xmlns:pvml="urn:schemas-microsoft-com:office:powerpoint" xmlns:com="http://schemas.openxmlformats.org/drawingml/2006/compatibility" xmlns:p15="http://schemas.microsoft.com/office/powerpoint/2012/main" xmlns:ahyp="http://schemas.microsoft.com/office/drawing/2018/hyperlinkcolor">
       <p:transition spd="slow">
         <p:fade/>
       </p:transition>
@@ -17387,7 +17388,7 @@
         <p:fade/>
       </p:transition>
     </mc:Choice>
-    <mc:Fallback xmlns:ahyp="http://schemas.microsoft.com/office/drawing/2018/hyperlinkcolor" xmlns:p15="http://schemas.microsoft.com/office/powerpoint/2012/main" xmlns:com="http://schemas.openxmlformats.org/drawingml/2006/compatibility" xmlns:pvml="urn:schemas-microsoft-com:office:powerpoint" xmlns:v="urn:schemas-microsoft-com:vml" xmlns:o="urn:schemas-microsoft-com:office:office" xmlns:dgm="http://schemas.openxmlformats.org/drawingml/2006/diagram" xmlns:c="http://schemas.openxmlformats.org/drawingml/2006/chart" xmlns:mv="urn:schemas-microsoft-com:mac:vml" xmlns="">
+    <mc:Fallback xmlns="" xmlns:mv="urn:schemas-microsoft-com:mac:vml" xmlns:c="http://schemas.openxmlformats.org/drawingml/2006/chart" xmlns:dgm="http://schemas.openxmlformats.org/drawingml/2006/diagram" xmlns:o="urn:schemas-microsoft-com:office:office" xmlns:v="urn:schemas-microsoft-com:vml" xmlns:pvml="urn:schemas-microsoft-com:office:powerpoint" xmlns:com="http://schemas.openxmlformats.org/drawingml/2006/compatibility" xmlns:p15="http://schemas.microsoft.com/office/powerpoint/2012/main" xmlns:ahyp="http://schemas.microsoft.com/office/drawing/2018/hyperlinkcolor">
       <p:transition spd="slow">
         <p:fade/>
       </p:transition>
@@ -20722,7 +20723,7 @@
         <p:fade/>
       </p:transition>
     </mc:Choice>
-    <mc:Fallback xmlns:ahyp="http://schemas.microsoft.com/office/drawing/2018/hyperlinkcolor" xmlns:p15="http://schemas.microsoft.com/office/powerpoint/2012/main" xmlns:com="http://schemas.openxmlformats.org/drawingml/2006/compatibility" xmlns:pvml="urn:schemas-microsoft-com:office:powerpoint" xmlns:v="urn:schemas-microsoft-com:vml" xmlns:o="urn:schemas-microsoft-com:office:office" xmlns:dgm="http://schemas.openxmlformats.org/drawingml/2006/diagram" xmlns:c="http://schemas.openxmlformats.org/drawingml/2006/chart" xmlns:mv="urn:schemas-microsoft-com:mac:vml" xmlns="">
+    <mc:Fallback xmlns="" xmlns:mv="urn:schemas-microsoft-com:mac:vml" xmlns:c="http://schemas.openxmlformats.org/drawingml/2006/chart" xmlns:dgm="http://schemas.openxmlformats.org/drawingml/2006/diagram" xmlns:o="urn:schemas-microsoft-com:office:office" xmlns:v="urn:schemas-microsoft-com:vml" xmlns:pvml="urn:schemas-microsoft-com:office:powerpoint" xmlns:com="http://schemas.openxmlformats.org/drawingml/2006/compatibility" xmlns:p15="http://schemas.microsoft.com/office/powerpoint/2012/main" xmlns:ahyp="http://schemas.microsoft.com/office/drawing/2018/hyperlinkcolor">
       <p:transition spd="slow">
         <p:fade/>
       </p:transition>
@@ -21564,7 +21565,7 @@
               <a:buChar char="🠶"/>
             </a:pPr>
             <a:r>
-              <a:rPr lang="en-US" sz="1799" b="0" i="0" u="none" strike="noStrike" cap="none">
+              <a:rPr lang="en-US" sz="1799" b="0" i="0" u="none" strike="noStrike" cap="none" dirty="0" err="1">
                 <a:solidFill>
                   <a:srgbClr val="3F3F3F"/>
                 </a:solidFill>
@@ -21573,9 +21574,33 @@
                 <a:cs typeface="Times New Roman"/>
                 <a:sym typeface="Times New Roman"/>
               </a:rPr>
-              <a:t>指導教授：陳朝烈 教授</a:t>
-            </a:r>
-            <a:endParaRPr sz="1799" b="0" i="0" u="none" strike="noStrike" cap="none">
+              <a:t>指導教授：陳朝烈</a:t>
+            </a:r>
+            <a:r>
+              <a:rPr lang="en-US" sz="1799" b="0" i="0" u="none" strike="noStrike" cap="none" dirty="0">
+                <a:solidFill>
+                  <a:srgbClr val="3F3F3F"/>
+                </a:solidFill>
+                <a:latin typeface="Times New Roman"/>
+                <a:ea typeface="Times New Roman"/>
+                <a:cs typeface="Times New Roman"/>
+                <a:sym typeface="Times New Roman"/>
+              </a:rPr>
+              <a:t> </a:t>
+            </a:r>
+            <a:r>
+              <a:rPr lang="en-US" sz="1799" b="0" i="0" u="none" strike="noStrike" cap="none" dirty="0" err="1">
+                <a:solidFill>
+                  <a:srgbClr val="3F3F3F"/>
+                </a:solidFill>
+                <a:latin typeface="Times New Roman"/>
+                <a:ea typeface="Times New Roman"/>
+                <a:cs typeface="Times New Roman"/>
+                <a:sym typeface="Times New Roman"/>
+              </a:rPr>
+              <a:t>教授</a:t>
+            </a:r>
+            <a:endParaRPr sz="1799" b="0" i="0" u="none" strike="noStrike" cap="none" dirty="0">
               <a:solidFill>
                 <a:srgbClr val="3F3F3F"/>
               </a:solidFill>
@@ -21601,7 +21626,7 @@
               <a:buChar char="🠶"/>
             </a:pPr>
             <a:r>
-              <a:rPr lang="en-US" sz="1799" b="0" i="0" u="none" strike="noStrike" cap="none">
+              <a:rPr lang="en-US" sz="1799" b="0" i="0" u="none" strike="noStrike" cap="none" dirty="0" err="1">
                 <a:solidFill>
                   <a:srgbClr val="3F3F3F"/>
                 </a:solidFill>
@@ -21610,9 +21635,33 @@
                 <a:cs typeface="Times New Roman"/>
                 <a:sym typeface="Times New Roman"/>
               </a:rPr>
-              <a:t>組員： F110112116 黃柏瑞</a:t>
-            </a:r>
-            <a:endParaRPr sz="1799" b="0" i="0" u="none" strike="noStrike" cap="none">
+              <a:t>組員</a:t>
+            </a:r>
+            <a:r>
+              <a:rPr lang="en-US" sz="1799" b="0" i="0" u="none" strike="noStrike" cap="none" dirty="0">
+                <a:solidFill>
+                  <a:srgbClr val="3F3F3F"/>
+                </a:solidFill>
+                <a:latin typeface="Times New Roman"/>
+                <a:ea typeface="Times New Roman"/>
+                <a:cs typeface="Times New Roman"/>
+                <a:sym typeface="Times New Roman"/>
+              </a:rPr>
+              <a:t>： F110112116 </a:t>
+            </a:r>
+            <a:r>
+              <a:rPr lang="en-US" sz="1799" b="0" i="0" u="none" strike="noStrike" cap="none" dirty="0" err="1">
+                <a:solidFill>
+                  <a:srgbClr val="3F3F3F"/>
+                </a:solidFill>
+                <a:latin typeface="Times New Roman"/>
+                <a:ea typeface="Times New Roman"/>
+                <a:cs typeface="Times New Roman"/>
+                <a:sym typeface="Times New Roman"/>
+              </a:rPr>
+              <a:t>黃柏瑞</a:t>
+            </a:r>
+            <a:endParaRPr sz="1799" b="0" i="0" u="none" strike="noStrike" cap="none" dirty="0">
               <a:solidFill>
                 <a:srgbClr val="3F3F3F"/>
               </a:solidFill>
@@ -21638,7 +21687,7 @@
               <a:buNone/>
             </a:pPr>
             <a:r>
-              <a:rPr lang="en-US" sz="1799" b="0" i="0" u="none" strike="noStrike" cap="none">
+              <a:rPr lang="en-US" sz="1799" b="0" i="0" u="none" strike="noStrike" cap="none" dirty="0">
                 <a:solidFill>
                   <a:srgbClr val="3F3F3F"/>
                 </a:solidFill>
@@ -21647,9 +21696,21 @@
                 <a:cs typeface="Times New Roman"/>
                 <a:sym typeface="Times New Roman"/>
               </a:rPr>
-              <a:t>F110112127 李勗禾</a:t>
-            </a:r>
-            <a:endParaRPr sz="1799" b="0" i="0" u="none" strike="noStrike" cap="none">
+              <a:t>F110112127 </a:t>
+            </a:r>
+            <a:r>
+              <a:rPr lang="en-US" sz="1799" b="0" i="0" u="none" strike="noStrike" cap="none" dirty="0" err="1">
+                <a:solidFill>
+                  <a:srgbClr val="3F3F3F"/>
+                </a:solidFill>
+                <a:latin typeface="Times New Roman"/>
+                <a:ea typeface="Times New Roman"/>
+                <a:cs typeface="Times New Roman"/>
+                <a:sym typeface="Times New Roman"/>
+              </a:rPr>
+              <a:t>李勗禾</a:t>
+            </a:r>
+            <a:endParaRPr sz="1799" b="0" i="0" u="none" strike="noStrike" cap="none" dirty="0">
               <a:solidFill>
                 <a:srgbClr val="3F3F3F"/>
               </a:solidFill>
@@ -21675,7 +21736,7 @@
               <a:buNone/>
             </a:pPr>
             <a:r>
-              <a:rPr lang="en-US" sz="1799" b="0" i="0" u="none" strike="noStrike" cap="none">
+              <a:rPr lang="en-US" sz="1799" b="0" i="0" u="none" strike="noStrike" cap="none" dirty="0">
                 <a:solidFill>
                   <a:srgbClr val="3F3F3F"/>
                 </a:solidFill>
@@ -21686,7 +21747,7 @@
               </a:rPr>
               <a:t>F110112128 施冠宇</a:t>
             </a:r>
-            <a:endParaRPr sz="1799" b="0" i="0" u="none" strike="noStrike" cap="none">
+            <a:endParaRPr sz="1799" b="0" i="0" u="none" strike="noStrike" cap="none" dirty="0">
               <a:solidFill>
                 <a:srgbClr val="3F3F3F"/>
               </a:solidFill>
@@ -21712,7 +21773,7 @@
               <a:buNone/>
             </a:pPr>
             <a:r>
-              <a:rPr lang="en-US" sz="1799" b="0" i="0" u="none" strike="noStrike" cap="none">
+              <a:rPr lang="en-US" sz="1799" b="0" i="0" u="none" strike="noStrike" cap="none" dirty="0">
                 <a:solidFill>
                   <a:srgbClr val="3F3F3F"/>
                 </a:solidFill>
@@ -21721,9 +21782,21 @@
                 <a:cs typeface="Times New Roman"/>
                 <a:sym typeface="Times New Roman"/>
               </a:rPr>
-              <a:t>F110112133 詹元勳</a:t>
-            </a:r>
-            <a:endParaRPr/>
+              <a:t>F110112133 </a:t>
+            </a:r>
+            <a:r>
+              <a:rPr lang="en-US" sz="1799" b="0" i="0" u="none" strike="noStrike" cap="none" dirty="0" err="1">
+                <a:solidFill>
+                  <a:srgbClr val="3F3F3F"/>
+                </a:solidFill>
+                <a:latin typeface="Times New Roman"/>
+                <a:ea typeface="Times New Roman"/>
+                <a:cs typeface="Times New Roman"/>
+                <a:sym typeface="Times New Roman"/>
+              </a:rPr>
+              <a:t>詹元勳</a:t>
+            </a:r>
+            <a:endParaRPr dirty="0"/>
           </a:p>
         </p:txBody>
       </p:sp>
@@ -21738,7 +21811,7 @@
         <p:fade/>
       </p:transition>
     </mc:Choice>
-    <mc:Fallback xmlns:ahyp="http://schemas.microsoft.com/office/drawing/2018/hyperlinkcolor" xmlns:p15="http://schemas.microsoft.com/office/powerpoint/2012/main" xmlns:com="http://schemas.openxmlformats.org/drawingml/2006/compatibility" xmlns:pvml="urn:schemas-microsoft-com:office:powerpoint" xmlns:v="urn:schemas-microsoft-com:vml" xmlns:o="urn:schemas-microsoft-com:office:office" xmlns:dgm="http://schemas.openxmlformats.org/drawingml/2006/diagram" xmlns:c="http://schemas.openxmlformats.org/drawingml/2006/chart" xmlns:mv="urn:schemas-microsoft-com:mac:vml" xmlns="">
+    <mc:Fallback xmlns="" xmlns:mv="urn:schemas-microsoft-com:mac:vml" xmlns:c="http://schemas.openxmlformats.org/drawingml/2006/chart" xmlns:dgm="http://schemas.openxmlformats.org/drawingml/2006/diagram" xmlns:o="urn:schemas-microsoft-com:office:office" xmlns:v="urn:schemas-microsoft-com:vml" xmlns:pvml="urn:schemas-microsoft-com:office:powerpoint" xmlns:com="http://schemas.openxmlformats.org/drawingml/2006/compatibility" xmlns:p15="http://schemas.microsoft.com/office/powerpoint/2012/main" xmlns:ahyp="http://schemas.microsoft.com/office/drawing/2018/hyperlinkcolor">
       <p:transition spd="slow">
         <p:fade/>
       </p:transition>
@@ -26376,13 +26449,6 @@
               </a:rPr>
               <a:t>array</a:t>
             </a:r>
-            <a:endParaRPr lang="en-US" altLang="zh-TW" dirty="0" smtClean="0">
-              <a:solidFill>
-                <a:schemeClr val="dk1"/>
-              </a:solidFill>
-              <a:latin typeface="Times New Roman" panose="02020603050405020304" pitchFamily="18" charset="0"/>
-              <a:cs typeface="Times New Roman" panose="02020603050405020304" pitchFamily="18" charset="0"/>
-            </a:endParaRPr>
           </a:p>
           <a:p>
             <a:r>
@@ -26419,17 +26485,7 @@
                 <a:latin typeface="Times New Roman" panose="02020603050405020304" pitchFamily="18" charset="0"/>
                 <a:cs typeface="Times New Roman" panose="02020603050405020304" pitchFamily="18" charset="0"/>
               </a:rPr>
-              <a:t>Method</a:t>
-            </a:r>
-            <a:r>
-              <a:rPr lang="en-US" altLang="zh-TW" dirty="0" smtClean="0">
-                <a:solidFill>
-                  <a:schemeClr val="dk1"/>
-                </a:solidFill>
-                <a:latin typeface="Times New Roman" panose="02020603050405020304" pitchFamily="18" charset="0"/>
-                <a:cs typeface="Times New Roman" panose="02020603050405020304" pitchFamily="18" charset="0"/>
-              </a:rPr>
-              <a:t>:</a:t>
+              <a:t>Method:</a:t>
             </a:r>
             <a:r>
               <a:rPr lang="zh-TW" altLang="en-US" dirty="0">
@@ -26865,17 +26921,7 @@
                 <a:latin typeface="Times New Roman" panose="02020603050405020304" pitchFamily="18" charset="0"/>
                 <a:cs typeface="Times New Roman" panose="02020603050405020304" pitchFamily="18" charset="0"/>
               </a:rPr>
-              <a:t>Method</a:t>
-            </a:r>
-            <a:r>
-              <a:rPr lang="en-US" dirty="0" smtClean="0">
-                <a:solidFill>
-                  <a:schemeClr val="dk1"/>
-                </a:solidFill>
-                <a:latin typeface="Times New Roman" panose="02020603050405020304" pitchFamily="18" charset="0"/>
-                <a:cs typeface="Times New Roman" panose="02020603050405020304" pitchFamily="18" charset="0"/>
-              </a:rPr>
-              <a:t>:</a:t>
+              <a:t>Method:</a:t>
             </a:r>
             <a:r>
               <a:rPr lang="zh-TW" altLang="en-US" dirty="0" smtClean="0">
@@ -26905,17 +26951,7 @@
                 <a:latin typeface="Times New Roman" panose="02020603050405020304" pitchFamily="18" charset="0"/>
                 <a:cs typeface="Times New Roman" panose="02020603050405020304" pitchFamily="18" charset="0"/>
               </a:rPr>
-              <a:t>來設計可</a:t>
-            </a:r>
-            <a:r>
-              <a:rPr lang="zh-TW" altLang="en-US" dirty="0" smtClean="0">
-                <a:solidFill>
-                  <a:schemeClr val="dk1"/>
-                </a:solidFill>
-                <a:latin typeface="Times New Roman" panose="02020603050405020304" pitchFamily="18" charset="0"/>
-                <a:cs typeface="Times New Roman" panose="02020603050405020304" pitchFamily="18" charset="0"/>
-              </a:rPr>
-              <a:t>視化圖</a:t>
+              <a:t>來設計可視化圖</a:t>
             </a:r>
             <a:endParaRPr dirty="0">
               <a:solidFill>
@@ -27163,13 +27199,6 @@
               </a:rPr>
               <a:t>Def:Train_1P(self)</a:t>
             </a:r>
-            <a:endParaRPr lang="en-US" sz="2000" dirty="0">
-              <a:solidFill>
-                <a:schemeClr val="dk1"/>
-              </a:solidFill>
-              <a:latin typeface="Times New Roman" panose="02020603050405020304" pitchFamily="18" charset="0"/>
-              <a:cs typeface="Times New Roman" panose="02020603050405020304" pitchFamily="18" charset="0"/>
-            </a:endParaRPr>
           </a:p>
         </p:txBody>
       </p:sp>
@@ -27257,6 +27286,28 @@
               </a:rPr>
               <a:t>Input:paddle1computer.data:1D_array</a:t>
             </a:r>
+          </a:p>
+          <a:p>
+            <a:r>
+              <a:rPr lang="en-US" altLang="zh-TW" sz="2000" dirty="0" smtClean="0">
+                <a:solidFill>
+                  <a:schemeClr val="dk1"/>
+                </a:solidFill>
+                <a:latin typeface="Times New Roman" panose="02020603050405020304" pitchFamily="18" charset="0"/>
+                <a:cs typeface="Times New Roman" panose="02020603050405020304" pitchFamily="18" charset="0"/>
+              </a:rPr>
+              <a:t>Output:0~data</a:t>
+            </a:r>
+            <a:r>
+              <a:rPr lang="zh-TW" altLang="en-US" sz="2000" dirty="0" smtClean="0">
+                <a:solidFill>
+                  <a:schemeClr val="dk1"/>
+                </a:solidFill>
+                <a:latin typeface="Times New Roman" panose="02020603050405020304" pitchFamily="18" charset="0"/>
+                <a:cs typeface="Times New Roman" panose="02020603050405020304" pitchFamily="18" charset="0"/>
+              </a:rPr>
+              <a:t>的長度</a:t>
+            </a:r>
             <a:endParaRPr lang="en-US" altLang="zh-TW" sz="2000" dirty="0" smtClean="0">
               <a:solidFill>
                 <a:schemeClr val="dk1"/>
@@ -27266,6 +27317,7 @@
             </a:endParaRPr>
           </a:p>
           <a:p>
+            <a:pPr lvl="0"/>
             <a:r>
               <a:rPr lang="en-US" altLang="zh-TW" sz="2000" dirty="0" smtClean="0">
                 <a:solidFill>
@@ -27274,55 +27326,8 @@
                 <a:latin typeface="Times New Roman" panose="02020603050405020304" pitchFamily="18" charset="0"/>
                 <a:cs typeface="Times New Roman" panose="02020603050405020304" pitchFamily="18" charset="0"/>
               </a:rPr>
-              <a:t>Output:0~data</a:t>
-            </a:r>
-            <a:r>
-              <a:rPr lang="zh-TW" altLang="en-US" sz="2000" dirty="0" smtClean="0">
-                <a:solidFill>
-                  <a:schemeClr val="dk1"/>
-                </a:solidFill>
-                <a:latin typeface="Times New Roman" panose="02020603050405020304" pitchFamily="18" charset="0"/>
-                <a:cs typeface="Times New Roman" panose="02020603050405020304" pitchFamily="18" charset="0"/>
-              </a:rPr>
-              <a:t>的長度</a:t>
-            </a:r>
-            <a:endParaRPr lang="en-US" altLang="zh-TW" sz="2000" dirty="0" smtClean="0">
-              <a:solidFill>
-                <a:schemeClr val="dk1"/>
-              </a:solidFill>
-              <a:latin typeface="Times New Roman" panose="02020603050405020304" pitchFamily="18" charset="0"/>
-              <a:cs typeface="Times New Roman" panose="02020603050405020304" pitchFamily="18" charset="0"/>
-            </a:endParaRPr>
-          </a:p>
-          <a:p>
-            <a:pPr lvl="0"/>
-            <a:r>
-              <a:rPr lang="en-US" altLang="zh-TW" sz="2000" dirty="0" smtClean="0">
-                <a:solidFill>
-                  <a:schemeClr val="dk1"/>
-                </a:solidFill>
-                <a:latin typeface="Times New Roman" panose="02020603050405020304" pitchFamily="18" charset="0"/>
-                <a:cs typeface="Times New Roman" panose="02020603050405020304" pitchFamily="18" charset="0"/>
-              </a:rPr>
-              <a:t>Parameter: </a:t>
-            </a:r>
-            <a:r>
-              <a:rPr lang="en-US" altLang="zh-TW" sz="2000" dirty="0" smtClean="0">
-                <a:solidFill>
-                  <a:schemeClr val="dk1"/>
-                </a:solidFill>
-                <a:latin typeface="Times New Roman" panose="02020603050405020304" pitchFamily="18" charset="0"/>
-                <a:cs typeface="Times New Roman" panose="02020603050405020304" pitchFamily="18" charset="0"/>
-              </a:rPr>
-              <a:t>a=0</a:t>
-            </a:r>
-            <a:endParaRPr lang="en-US" altLang="zh-TW" sz="2000" dirty="0" smtClean="0">
-              <a:solidFill>
-                <a:schemeClr val="dk1"/>
-              </a:solidFill>
-              <a:latin typeface="Times New Roman" panose="02020603050405020304" pitchFamily="18" charset="0"/>
-              <a:cs typeface="Times New Roman" panose="02020603050405020304" pitchFamily="18" charset="0"/>
-            </a:endParaRPr>
+              <a:t>Parameter: a=0</a:t>
+            </a:r>
           </a:p>
           <a:p>
             <a:pPr lvl="0"/>
@@ -27499,13 +27504,6 @@
               </a:rPr>
               <a:t>)</a:t>
             </a:r>
-            <a:endParaRPr lang="en-US" sz="2000" dirty="0">
-              <a:solidFill>
-                <a:schemeClr val="dk1"/>
-              </a:solidFill>
-              <a:latin typeface="Times New Roman" panose="02020603050405020304" pitchFamily="18" charset="0"/>
-              <a:cs typeface="Times New Roman" panose="02020603050405020304" pitchFamily="18" charset="0"/>
-            </a:endParaRPr>
           </a:p>
         </p:txBody>
       </p:sp>
@@ -27593,6 +27591,28 @@
               </a:rPr>
               <a:t>Input:paddle2computer.data:1D_array</a:t>
             </a:r>
+          </a:p>
+          <a:p>
+            <a:r>
+              <a:rPr lang="en-US" altLang="zh-TW" sz="2000" dirty="0" smtClean="0">
+                <a:solidFill>
+                  <a:schemeClr val="dk1"/>
+                </a:solidFill>
+                <a:latin typeface="Times New Roman" panose="02020603050405020304" pitchFamily="18" charset="0"/>
+                <a:cs typeface="Times New Roman" panose="02020603050405020304" pitchFamily="18" charset="0"/>
+              </a:rPr>
+              <a:t>Output:0~data</a:t>
+            </a:r>
+            <a:r>
+              <a:rPr lang="zh-TW" altLang="en-US" sz="2000" dirty="0" smtClean="0">
+                <a:solidFill>
+                  <a:schemeClr val="dk1"/>
+                </a:solidFill>
+                <a:latin typeface="Times New Roman" panose="02020603050405020304" pitchFamily="18" charset="0"/>
+                <a:cs typeface="Times New Roman" panose="02020603050405020304" pitchFamily="18" charset="0"/>
+              </a:rPr>
+              <a:t>的長度</a:t>
+            </a:r>
             <a:endParaRPr lang="en-US" altLang="zh-TW" sz="2000" dirty="0" smtClean="0">
               <a:solidFill>
                 <a:schemeClr val="dk1"/>
@@ -27602,6 +27622,7 @@
             </a:endParaRPr>
           </a:p>
           <a:p>
+            <a:pPr lvl="0"/>
             <a:r>
               <a:rPr lang="en-US" altLang="zh-TW" sz="2000" dirty="0" smtClean="0">
                 <a:solidFill>
@@ -27610,55 +27631,8 @@
                 <a:latin typeface="Times New Roman" panose="02020603050405020304" pitchFamily="18" charset="0"/>
                 <a:cs typeface="Times New Roman" panose="02020603050405020304" pitchFamily="18" charset="0"/>
               </a:rPr>
-              <a:t>Output:0~data</a:t>
-            </a:r>
-            <a:r>
-              <a:rPr lang="zh-TW" altLang="en-US" sz="2000" dirty="0" smtClean="0">
-                <a:solidFill>
-                  <a:schemeClr val="dk1"/>
-                </a:solidFill>
-                <a:latin typeface="Times New Roman" panose="02020603050405020304" pitchFamily="18" charset="0"/>
-                <a:cs typeface="Times New Roman" panose="02020603050405020304" pitchFamily="18" charset="0"/>
-              </a:rPr>
-              <a:t>的長度</a:t>
-            </a:r>
-            <a:endParaRPr lang="en-US" altLang="zh-TW" sz="2000" dirty="0" smtClean="0">
-              <a:solidFill>
-                <a:schemeClr val="dk1"/>
-              </a:solidFill>
-              <a:latin typeface="Times New Roman" panose="02020603050405020304" pitchFamily="18" charset="0"/>
-              <a:cs typeface="Times New Roman" panose="02020603050405020304" pitchFamily="18" charset="0"/>
-            </a:endParaRPr>
-          </a:p>
-          <a:p>
-            <a:pPr lvl="0"/>
-            <a:r>
-              <a:rPr lang="en-US" altLang="zh-TW" sz="2000" dirty="0" smtClean="0">
-                <a:solidFill>
-                  <a:schemeClr val="dk1"/>
-                </a:solidFill>
-                <a:latin typeface="Times New Roman" panose="02020603050405020304" pitchFamily="18" charset="0"/>
-                <a:cs typeface="Times New Roman" panose="02020603050405020304" pitchFamily="18" charset="0"/>
-              </a:rPr>
-              <a:t>Parameter: </a:t>
-            </a:r>
-            <a:r>
-              <a:rPr lang="en-US" altLang="zh-TW" sz="2000" dirty="0" smtClean="0">
-                <a:solidFill>
-                  <a:schemeClr val="dk1"/>
-                </a:solidFill>
-                <a:latin typeface="Times New Roman" panose="02020603050405020304" pitchFamily="18" charset="0"/>
-                <a:cs typeface="Times New Roman" panose="02020603050405020304" pitchFamily="18" charset="0"/>
-              </a:rPr>
-              <a:t>a=0</a:t>
-            </a:r>
-            <a:endParaRPr lang="en-US" altLang="zh-TW" sz="2000" dirty="0" smtClean="0">
-              <a:solidFill>
-                <a:schemeClr val="dk1"/>
-              </a:solidFill>
-              <a:latin typeface="Times New Roman" panose="02020603050405020304" pitchFamily="18" charset="0"/>
-              <a:cs typeface="Times New Roman" panose="02020603050405020304" pitchFamily="18" charset="0"/>
-            </a:endParaRPr>
+              <a:t>Parameter: a=0</a:t>
+            </a:r>
           </a:p>
           <a:p>
             <a:r>
@@ -28618,13 +28592,6 @@
               </a:rPr>
               <a:t>Input:acceleration:1D_ary</a:t>
             </a:r>
-            <a:endParaRPr lang="en-US" altLang="zh-TW" sz="2000" dirty="0" smtClean="0">
-              <a:solidFill>
-                <a:schemeClr val="dk1"/>
-              </a:solidFill>
-              <a:latin typeface="Times New Roman" panose="02020603050405020304" pitchFamily="18" charset="0"/>
-              <a:cs typeface="Times New Roman" panose="02020603050405020304" pitchFamily="18" charset="0"/>
-            </a:endParaRPr>
           </a:p>
           <a:p>
             <a:r>
@@ -29175,13 +29142,6 @@
               </a:rPr>
               <a:t>=0</a:t>
             </a:r>
-            <a:endParaRPr lang="en-US" altLang="zh-TW" sz="2000" dirty="0" smtClean="0">
-              <a:solidFill>
-                <a:schemeClr val="dk1"/>
-              </a:solidFill>
-              <a:latin typeface="Times New Roman" panose="02020603050405020304" pitchFamily="18" charset="0"/>
-              <a:cs typeface="Times New Roman" panose="02020603050405020304" pitchFamily="18" charset="0"/>
-            </a:endParaRPr>
           </a:p>
           <a:p>
             <a:pPr lvl="0"/>
@@ -29571,17 +29531,7 @@
                 <a:latin typeface="Times New Roman" panose="02020603050405020304" pitchFamily="18" charset="0"/>
                 <a:cs typeface="Times New Roman" panose="02020603050405020304" pitchFamily="18" charset="0"/>
               </a:rPr>
-              <a:t>Method</a:t>
-            </a:r>
-            <a:r>
-              <a:rPr lang="en-US" altLang="zh-TW" sz="2000" dirty="0" smtClean="0">
-                <a:solidFill>
-                  <a:schemeClr val="dk1"/>
-                </a:solidFill>
-                <a:latin typeface="Times New Roman" panose="02020603050405020304" pitchFamily="18" charset="0"/>
-                <a:cs typeface="Times New Roman" panose="02020603050405020304" pitchFamily="18" charset="0"/>
-              </a:rPr>
-              <a:t>:</a:t>
+              <a:t>Method:</a:t>
             </a:r>
             <a:r>
               <a:rPr lang="zh-TW" altLang="en-US" sz="2000" dirty="0">
@@ -30387,7 +30337,7 @@
         <p:fade/>
       </p:transition>
     </mc:Choice>
-    <mc:Fallback xmlns:ahyp="http://schemas.microsoft.com/office/drawing/2018/hyperlinkcolor" xmlns:p15="http://schemas.microsoft.com/office/powerpoint/2012/main" xmlns:com="http://schemas.openxmlformats.org/drawingml/2006/compatibility" xmlns:pvml="urn:schemas-microsoft-com:office:powerpoint" xmlns:v="urn:schemas-microsoft-com:vml" xmlns:o="urn:schemas-microsoft-com:office:office" xmlns:dgm="http://schemas.openxmlformats.org/drawingml/2006/diagram" xmlns:c="http://schemas.openxmlformats.org/drawingml/2006/chart" xmlns:mv="urn:schemas-microsoft-com:mac:vml" xmlns="">
+    <mc:Fallback xmlns="" xmlns:mv="urn:schemas-microsoft-com:mac:vml" xmlns:c="http://schemas.openxmlformats.org/drawingml/2006/chart" xmlns:dgm="http://schemas.openxmlformats.org/drawingml/2006/diagram" xmlns:o="urn:schemas-microsoft-com:office:office" xmlns:v="urn:schemas-microsoft-com:vml" xmlns:pvml="urn:schemas-microsoft-com:office:powerpoint" xmlns:com="http://schemas.openxmlformats.org/drawingml/2006/compatibility" xmlns:p15="http://schemas.microsoft.com/office/powerpoint/2012/main" xmlns:ahyp="http://schemas.microsoft.com/office/drawing/2018/hyperlinkcolor">
       <p:transition spd="slow">
         <p:fade/>
       </p:transition>
@@ -31082,11 +31032,7 @@
           <a:p>
             <a:r>
               <a:rPr lang="en-US" altLang="zh-TW" dirty="0" smtClean="0"/>
-              <a:t>Result </a:t>
-            </a:r>
-            <a:r>
-              <a:rPr lang="en-US" altLang="zh-TW" dirty="0" smtClean="0"/>
-              <a:t>summary,</a:t>
+              <a:t>Result summary,</a:t>
             </a:r>
             <a:r>
               <a:rPr lang="zh-TW" altLang="en-US" dirty="0" smtClean="0"/>
@@ -31169,6 +31115,221 @@
       </p:par>
     </p:tnLst>
   </p:timing>
+</p:sld>
+</file>
+
+<file path=ppt/slides/slide25.xml><?xml version="1.0" encoding="utf-8"?>
+<p:sld xmlns:a="http://schemas.openxmlformats.org/drawingml/2006/main" xmlns:r="http://schemas.openxmlformats.org/officeDocument/2006/relationships" xmlns:p="http://schemas.openxmlformats.org/presentationml/2006/main">
+  <p:cSld>
+    <p:spTree>
+      <p:nvGrpSpPr>
+        <p:cNvPr id="1" name=""/>
+        <p:cNvGrpSpPr/>
+        <p:nvPr/>
+      </p:nvGrpSpPr>
+      <p:grpSpPr>
+        <a:xfrm>
+          <a:off x="0" y="0"/>
+          <a:ext cx="0" cy="0"/>
+          <a:chOff x="0" y="0"/>
+          <a:chExt cx="0" cy="0"/>
+        </a:xfrm>
+      </p:grpSpPr>
+      <p:sp>
+        <p:nvSpPr>
+          <p:cNvPr id="2" name="標題 1"/>
+          <p:cNvSpPr>
+            <a:spLocks noGrp="1"/>
+          </p:cNvSpPr>
+          <p:nvPr>
+            <p:ph type="title"/>
+          </p:nvPr>
+        </p:nvSpPr>
+        <p:spPr/>
+        <p:txBody>
+          <a:bodyPr/>
+          <a:lstStyle/>
+          <a:p>
+            <a:r>
+              <a:rPr lang="zh-TW" altLang="en-US" dirty="0" smtClean="0"/>
+              <a:t>分工</a:t>
+            </a:r>
+            <a:endParaRPr lang="zh-TW" altLang="en-US" dirty="0"/>
+          </a:p>
+        </p:txBody>
+      </p:sp>
+      <p:sp>
+        <p:nvSpPr>
+          <p:cNvPr id="3" name="文字版面配置區 2"/>
+          <p:cNvSpPr>
+            <a:spLocks noGrp="1"/>
+          </p:cNvSpPr>
+          <p:nvPr>
+            <p:ph type="body" idx="1"/>
+          </p:nvPr>
+        </p:nvSpPr>
+        <p:spPr/>
+        <p:txBody>
+          <a:bodyPr/>
+          <a:lstStyle/>
+          <a:p>
+            <a:pPr marL="0" indent="0">
+              <a:buSzPts val="1799"/>
+              <a:buNone/>
+            </a:pPr>
+            <a:r>
+              <a:rPr lang="en-US" altLang="zh-TW" dirty="0"/>
+              <a:t>F110112128 </a:t>
+            </a:r>
+            <a:r>
+              <a:rPr lang="zh-TW" altLang="en-US" dirty="0" smtClean="0"/>
+              <a:t>施冠宇</a:t>
+            </a:r>
+            <a:r>
+              <a:rPr lang="en-US" altLang="zh-TW" dirty="0" smtClean="0"/>
+              <a:t>:</a:t>
+            </a:r>
+            <a:r>
+              <a:rPr lang="zh-TW" altLang="en-US" dirty="0" smtClean="0"/>
+              <a:t>撰寫</a:t>
+            </a:r>
+            <a:r>
+              <a:rPr lang="en-US" altLang="zh-TW" dirty="0" smtClean="0"/>
+              <a:t>code,</a:t>
+            </a:r>
+            <a:r>
+              <a:rPr lang="zh-TW" altLang="en-US" dirty="0" smtClean="0"/>
+              <a:t>以及檢查最後報告的完整性</a:t>
+            </a:r>
+            <a:endParaRPr lang="en-US" altLang="zh-TW" dirty="0" smtClean="0"/>
+          </a:p>
+          <a:p>
+            <a:pPr marL="0" lvl="0" indent="0">
+              <a:buSzPts val="1799"/>
+              <a:buNone/>
+            </a:pPr>
+            <a:r>
+              <a:rPr lang="en-US" altLang="zh-TW" dirty="0" smtClean="0"/>
+              <a:t>F110112116 </a:t>
+            </a:r>
+            <a:r>
+              <a:rPr lang="zh-TW" altLang="en-US" dirty="0" smtClean="0"/>
+              <a:t>黃柏瑞</a:t>
+            </a:r>
+            <a:r>
+              <a:rPr lang="en-US" altLang="zh-TW" dirty="0" smtClean="0"/>
+              <a:t>:</a:t>
+            </a:r>
+            <a:r>
+              <a:rPr lang="zh-TW" altLang="en-US" dirty="0" smtClean="0"/>
+              <a:t>查詢資料</a:t>
+            </a:r>
+            <a:endParaRPr lang="en-US" altLang="zh-TW" dirty="0" smtClean="0"/>
+          </a:p>
+          <a:p>
+            <a:pPr marL="0" lvl="0" indent="0">
+              <a:buSzPts val="1799"/>
+              <a:buNone/>
+            </a:pPr>
+            <a:r>
+              <a:rPr lang="en-US" altLang="zh-TW" dirty="0" smtClean="0"/>
+              <a:t>F110112127 </a:t>
+            </a:r>
+            <a:r>
+              <a:rPr lang="zh-TW" altLang="en-US" dirty="0"/>
+              <a:t>李勗</a:t>
+            </a:r>
+            <a:r>
+              <a:rPr lang="zh-TW" altLang="en-US" dirty="0" smtClean="0"/>
+              <a:t>禾</a:t>
+            </a:r>
+            <a:r>
+              <a:rPr lang="en-US" altLang="zh-TW" dirty="0" smtClean="0"/>
+              <a:t>:</a:t>
+            </a:r>
+            <a:r>
+              <a:rPr lang="zh-TW" altLang="en-US" dirty="0" smtClean="0"/>
+              <a:t>查詢資料</a:t>
+            </a:r>
+            <a:endParaRPr lang="en-US" altLang="zh-TW" dirty="0" smtClean="0"/>
+          </a:p>
+          <a:p>
+            <a:pPr marL="0" lvl="0" indent="0">
+              <a:buSzPts val="1799"/>
+              <a:buNone/>
+            </a:pPr>
+            <a:r>
+              <a:rPr lang="en-US" altLang="zh-TW" dirty="0" smtClean="0"/>
+              <a:t>F110112133 </a:t>
+            </a:r>
+            <a:r>
+              <a:rPr lang="zh-TW" altLang="en-US" dirty="0" smtClean="0"/>
+              <a:t>詹元勳</a:t>
+            </a:r>
+            <a:r>
+              <a:rPr lang="en-US" altLang="zh-TW" dirty="0" smtClean="0"/>
+              <a:t>:</a:t>
+            </a:r>
+            <a:r>
+              <a:rPr lang="zh-TW" altLang="en-US" dirty="0" smtClean="0"/>
+              <a:t>報告初稿</a:t>
+            </a:r>
+            <a:r>
+              <a:rPr lang="en-US" altLang="zh-TW" dirty="0" smtClean="0"/>
+              <a:t>,</a:t>
+            </a:r>
+            <a:r>
+              <a:rPr lang="zh-TW" altLang="en-US" dirty="0" smtClean="0"/>
+              <a:t>以及補上每次上課報告完後的結論</a:t>
+            </a:r>
+          </a:p>
+          <a:p>
+            <a:endParaRPr lang="zh-TW" altLang="en-US" dirty="0"/>
+          </a:p>
+        </p:txBody>
+      </p:sp>
+      <p:sp>
+        <p:nvSpPr>
+          <p:cNvPr id="4" name="投影片編號版面配置區 3"/>
+          <p:cNvSpPr>
+            <a:spLocks noGrp="1"/>
+          </p:cNvSpPr>
+          <p:nvPr>
+            <p:ph type="sldNum" idx="12"/>
+          </p:nvPr>
+        </p:nvSpPr>
+        <p:spPr/>
+        <p:txBody>
+          <a:bodyPr/>
+          <a:lstStyle/>
+          <a:p>
+            <a:pPr marL="0" lvl="0" indent="0" algn="r" rtl="0">
+              <a:spcBef>
+                <a:spcPts val="0"/>
+              </a:spcBef>
+              <a:spcAft>
+                <a:spcPts val="0"/>
+              </a:spcAft>
+              <a:buNone/>
+            </a:pPr>
+            <a:fld id="{00000000-1234-1234-1234-123412341234}" type="slidenum">
+              <a:rPr lang="en-US" smtClean="0"/>
+              <a:t>24</a:t>
+            </a:fld>
+            <a:endParaRPr lang="en-US"/>
+          </a:p>
+        </p:txBody>
+      </p:sp>
+    </p:spTree>
+    <p:extLst>
+      <p:ext uri="{BB962C8B-B14F-4D97-AF65-F5344CB8AC3E}">
+        <p14:creationId xmlns:p14="http://schemas.microsoft.com/office/powerpoint/2010/main" val="181913212"/>
+      </p:ext>
+    </p:extLst>
+  </p:cSld>
+  <p:clrMapOvr>
+    <a:masterClrMapping/>
+  </p:clrMapOvr>
 </p:sld>
 </file>
 
@@ -31945,7 +32106,7 @@
         <p:fade/>
       </p:transition>
     </mc:Choice>
-    <mc:Fallback xmlns:ahyp="http://schemas.microsoft.com/office/drawing/2018/hyperlinkcolor" xmlns:p15="http://schemas.microsoft.com/office/powerpoint/2012/main" xmlns:com="http://schemas.openxmlformats.org/drawingml/2006/compatibility" xmlns:pvml="urn:schemas-microsoft-com:office:powerpoint" xmlns:v="urn:schemas-microsoft-com:vml" xmlns:o="urn:schemas-microsoft-com:office:office" xmlns:dgm="http://schemas.openxmlformats.org/drawingml/2006/diagram" xmlns:c="http://schemas.openxmlformats.org/drawingml/2006/chart" xmlns:mv="urn:schemas-microsoft-com:mac:vml" xmlns="">
+    <mc:Fallback xmlns="" xmlns:mv="urn:schemas-microsoft-com:mac:vml" xmlns:c="http://schemas.openxmlformats.org/drawingml/2006/chart" xmlns:dgm="http://schemas.openxmlformats.org/drawingml/2006/diagram" xmlns:o="urn:schemas-microsoft-com:office:office" xmlns:v="urn:schemas-microsoft-com:vml" xmlns:pvml="urn:schemas-microsoft-com:office:powerpoint" xmlns:com="http://schemas.openxmlformats.org/drawingml/2006/compatibility" xmlns:p15="http://schemas.microsoft.com/office/powerpoint/2012/main" xmlns:ahyp="http://schemas.microsoft.com/office/drawing/2018/hyperlinkcolor">
       <p:transition spd="slow">
         <p:fade/>
       </p:transition>
@@ -32211,7 +32372,7 @@
         <p:fade/>
       </p:transition>
     </mc:Choice>
-    <mc:Fallback xmlns:ahyp="http://schemas.microsoft.com/office/drawing/2018/hyperlinkcolor" xmlns:p15="http://schemas.microsoft.com/office/powerpoint/2012/main" xmlns:com="http://schemas.openxmlformats.org/drawingml/2006/compatibility" xmlns:pvml="urn:schemas-microsoft-com:office:powerpoint" xmlns:v="urn:schemas-microsoft-com:vml" xmlns:o="urn:schemas-microsoft-com:office:office" xmlns:dgm="http://schemas.openxmlformats.org/drawingml/2006/diagram" xmlns:c="http://schemas.openxmlformats.org/drawingml/2006/chart" xmlns:mv="urn:schemas-microsoft-com:mac:vml" xmlns="">
+    <mc:Fallback xmlns="" xmlns:mv="urn:schemas-microsoft-com:mac:vml" xmlns:c="http://schemas.openxmlformats.org/drawingml/2006/chart" xmlns:dgm="http://schemas.openxmlformats.org/drawingml/2006/diagram" xmlns:o="urn:schemas-microsoft-com:office:office" xmlns:v="urn:schemas-microsoft-com:vml" xmlns:pvml="urn:schemas-microsoft-com:office:powerpoint" xmlns:com="http://schemas.openxmlformats.org/drawingml/2006/compatibility" xmlns:p15="http://schemas.microsoft.com/office/powerpoint/2012/main" xmlns:ahyp="http://schemas.microsoft.com/office/drawing/2018/hyperlinkcolor">
       <p:transition spd="slow">
         <p:fade/>
       </p:transition>
